--- a/presentation.pptx
+++ b/presentation.pptx
@@ -12,6 +12,7 @@
     <p:sldId id="260" r:id="rId6"/>
     <p:sldId id="261" r:id="rId7"/>
     <p:sldId id="262" r:id="rId8"/>
+    <p:sldId id="263" r:id="rId9"/>
   </p:sldIdLst>
   <p:sldSz cx="12192000" cy="6858000"/>
   <p:notesSz cx="6858000" cy="9144000"/>
@@ -122,6 +123,7 @@
             <p14:sldId id="260"/>
             <p14:sldId id="261"/>
             <p14:sldId id="262"/>
+            <p14:sldId id="263"/>
           </p14:sldIdLst>
         </p14:section>
       </p14:sectionLst>
@@ -3340,7 +3342,7 @@
           <a:p>
             <a:r>
               <a:rPr lang="en-US" dirty="0"/>
-              <a:t>We found wired in a wireless place</a:t>
+              <a:t>We found Wireless in a Wired place</a:t>
             </a:r>
           </a:p>
         </p:txBody>
@@ -3362,13 +3364,8 @@
           <a:p>
             <a:r>
               <a:rPr lang="en-US" dirty="0"/>
-              <a:t>Rushad </a:t>
-            </a:r>
-            <a:r>
-              <a:rPr lang="en-US" dirty="0" err="1"/>
-              <a:t>Antia</a:t>
-            </a:r>
-            <a:endParaRPr lang="en-US" dirty="0"/>
+              <a:t>Rushad Antia</a:t>
+            </a:r>
           </a:p>
         </p:txBody>
       </p:sp>
@@ -4086,6 +4083,14 @@
           <a:solidFill>
             <a:schemeClr val="bg1"/>
           </a:solidFill>
+          <a:ln w="19050">
+            <a:solidFill>
+              <a:schemeClr val="accent1">
+                <a:lumMod val="60000"/>
+                <a:lumOff val="40000"/>
+              </a:schemeClr>
+            </a:solidFill>
+          </a:ln>
         </p:spPr>
         <p:style>
           <a:lnRef idx="2">
@@ -4158,6 +4163,14 @@
           <a:solidFill>
             <a:schemeClr val="bg1"/>
           </a:solidFill>
+          <a:ln w="19050">
+            <a:solidFill>
+              <a:schemeClr val="accent1">
+                <a:lumMod val="60000"/>
+                <a:lumOff val="40000"/>
+              </a:schemeClr>
+            </a:solidFill>
+          </a:ln>
         </p:spPr>
         <p:style>
           <a:lnRef idx="2">
@@ -4230,6 +4243,14 @@
           <a:solidFill>
             <a:schemeClr val="bg1"/>
           </a:solidFill>
+          <a:ln w="19050">
+            <a:solidFill>
+              <a:schemeClr val="accent1">
+                <a:lumMod val="60000"/>
+                <a:lumOff val="40000"/>
+              </a:schemeClr>
+            </a:solidFill>
+          </a:ln>
         </p:spPr>
         <p:style>
           <a:lnRef idx="2">
@@ -4367,6 +4388,91 @@
     <p:extLst>
       <p:ext uri="{BB962C8B-B14F-4D97-AF65-F5344CB8AC3E}">
         <p14:creationId xmlns:p14="http://schemas.microsoft.com/office/powerpoint/2010/main" val="1043473976"/>
+      </p:ext>
+    </p:extLst>
+  </p:cSld>
+  <p:clrMapOvr>
+    <a:masterClrMapping/>
+  </p:clrMapOvr>
+</p:sld>
+</file>
+
+<file path=ppt/slides/slide8.xml><?xml version="1.0" encoding="utf-8"?>
+<p:sld xmlns:a="http://schemas.openxmlformats.org/drawingml/2006/main" xmlns:r="http://schemas.openxmlformats.org/officeDocument/2006/relationships" xmlns:p="http://schemas.openxmlformats.org/presentationml/2006/main">
+  <p:cSld>
+    <p:spTree>
+      <p:nvGrpSpPr>
+        <p:cNvPr id="1" name=""/>
+        <p:cNvGrpSpPr/>
+        <p:nvPr/>
+      </p:nvGrpSpPr>
+      <p:grpSpPr>
+        <a:xfrm>
+          <a:off x="0" y="0"/>
+          <a:ext cx="0" cy="0"/>
+          <a:chOff x="0" y="0"/>
+          <a:chExt cx="0" cy="0"/>
+        </a:xfrm>
+      </p:grpSpPr>
+      <p:sp>
+        <p:nvSpPr>
+          <p:cNvPr id="2" name="Title 1"/>
+          <p:cNvSpPr>
+            <a:spLocks noGrp="1"/>
+          </p:cNvSpPr>
+          <p:nvPr>
+            <p:ph type="title"/>
+          </p:nvPr>
+        </p:nvSpPr>
+        <p:spPr/>
+        <p:txBody>
+          <a:bodyPr/>
+          <a:lstStyle/>
+          <a:p>
+            <a:r>
+              <a:rPr lang="en-US" dirty="0"/>
+              <a:t>Master Node</a:t>
+            </a:r>
+          </a:p>
+        </p:txBody>
+      </p:sp>
+      <p:sp>
+        <p:nvSpPr>
+          <p:cNvPr id="3" name="Content Placeholder 2"/>
+          <p:cNvSpPr>
+            <a:spLocks noGrp="1"/>
+          </p:cNvSpPr>
+          <p:nvPr>
+            <p:ph idx="1"/>
+          </p:nvPr>
+        </p:nvSpPr>
+        <p:spPr/>
+        <p:txBody>
+          <a:bodyPr/>
+          <a:lstStyle/>
+          <a:p>
+            <a:r>
+              <a:rPr lang="en-US" dirty="0"/>
+              <a:t>All nodes connect to the Master</a:t>
+            </a:r>
+          </a:p>
+          <a:p>
+            <a:r>
+              <a:rPr lang="en-US" dirty="0"/>
+              <a:t>Master Node brokers </a:t>
+            </a:r>
+            <a:r>
+              <a:rPr lang="en-US"/>
+              <a:t>connections between nodes</a:t>
+            </a:r>
+            <a:endParaRPr lang="en-US"/>
+          </a:p>
+        </p:txBody>
+      </p:sp>
+    </p:spTree>
+    <p:extLst>
+      <p:ext uri="{BB962C8B-B14F-4D97-AF65-F5344CB8AC3E}">
+        <p14:creationId xmlns:p14="http://schemas.microsoft.com/office/powerpoint/2010/main" val="2569393363"/>
       </p:ext>
     </p:extLst>
   </p:cSld>
